--- a/Vortrag.pptx
+++ b/Vortrag.pptx
@@ -2678,10 +2678,10 @@
       </p:sp>
       <p:pic>
         <p:nvPicPr>
-          <p:cNvPr id="12" name="Grafik 11">
+          <p:cNvPr id="4" name="Grafik 3">
             <a:extLst>
               <a:ext uri="{FF2B5EF4-FFF2-40B4-BE49-F238E27FC236}">
-                <a16:creationId xmlns:a16="http://schemas.microsoft.com/office/drawing/2014/main" id="{583F692B-FB40-469A-9D47-BF1524570A1A}"/>
+                <a16:creationId xmlns:a16="http://schemas.microsoft.com/office/drawing/2014/main" id="{DCC43553-95E6-471E-8A00-12F7935509E3}"/>
               </a:ext>
             </a:extLst>
           </p:cNvPr>
@@ -2698,8 +2698,8 @@
         </p:blipFill>
         <p:spPr>
           <a:xfrm>
-            <a:off x="143338" y="2518696"/>
-            <a:ext cx="11905323" cy="1082919"/>
+            <a:off x="143339" y="2531734"/>
+            <a:ext cx="11761984" cy="1069881"/>
           </a:xfrm>
           <a:prstGeom prst="rect">
             <a:avLst/>
@@ -3008,7 +3008,16 @@
           <a:p>
             <a:r>
               <a:rPr lang="de-DE" dirty="0"/>
-              <a:t>Einführung</a:t>
+              <a:t>Motivation</a:t>
+            </a:r>
+          </a:p>
+          <a:p>
+            <a:endParaRPr lang="de-DE" dirty="0"/>
+          </a:p>
+          <a:p>
+            <a:r>
+              <a:rPr lang="de-DE" dirty="0"/>
+              <a:t>Grundlagen FMCW Radar</a:t>
             </a:r>
           </a:p>
           <a:p>
@@ -3072,7 +3081,7 @@
           <a:p>
             <a:r>
               <a:rPr lang="de-DE" dirty="0"/>
-              <a:t>Einführung</a:t>
+              <a:t>Motivation</a:t>
             </a:r>
           </a:p>
         </p:txBody>
@@ -3109,6 +3118,10 @@
             <a:endParaRPr lang="de-DE" dirty="0"/>
           </a:p>
           <a:p>
+            <a:pPr lvl="1">
+              <a:buFont typeface="Wingdings" panose="05000000000000000000" pitchFamily="2" charset="2"/>
+              <a:buChar char="§"/>
+            </a:pPr>
             <a:r>
               <a:rPr lang="de-DE" dirty="0"/>
               <a:t>Ob Personen sich in einem Zimmer befinden</a:t>
@@ -3118,6 +3131,10 @@
             <a:endParaRPr lang="de-DE" dirty="0"/>
           </a:p>
           <a:p>
+            <a:pPr lvl="1">
+              <a:buFont typeface="Wingdings" panose="05000000000000000000" pitchFamily="2" charset="2"/>
+              <a:buChar char="§"/>
+            </a:pPr>
             <a:r>
               <a:rPr lang="de-DE" dirty="0"/>
               <a:t>Aktivitätszustände von Personen</a:t>
@@ -3127,6 +3144,10 @@
             <a:endParaRPr lang="de-DE" dirty="0"/>
           </a:p>
           <a:p>
+            <a:pPr lvl="1">
+              <a:buFont typeface="Wingdings" panose="05000000000000000000" pitchFamily="2" charset="2"/>
+              <a:buChar char="§"/>
+            </a:pPr>
             <a:r>
               <a:rPr lang="de-DE" dirty="0"/>
               <a:t>Überwachung der Gesundheit von Patienten</a:t>
@@ -3136,9 +3157,25 @@
             <a:endParaRPr lang="de-DE" dirty="0"/>
           </a:p>
           <a:p>
+            <a:pPr lvl="1">
+              <a:buFont typeface="Wingdings" panose="05000000000000000000" pitchFamily="2" charset="2"/>
+              <a:buChar char="§"/>
+            </a:pPr>
             <a:r>
               <a:rPr lang="de-DE" dirty="0"/>
               <a:t>… </a:t>
+            </a:r>
+          </a:p>
+          <a:p>
+            <a:pPr marL="0" indent="0">
+              <a:buNone/>
+            </a:pPr>
+            <a:endParaRPr lang="de-DE" dirty="0"/>
+          </a:p>
+          <a:p>
+            <a:r>
+              <a:rPr lang="de-DE" dirty="0"/>
+              <a:t>Im Forschungsprojekt PRAD wird es untersucht, Personen in Brandfällen zu detektieren mit Radarsignalen</a:t>
             </a:r>
           </a:p>
         </p:txBody>
@@ -3190,7 +3227,7 @@
           <a:p>
             <a:r>
               <a:rPr lang="de-DE" dirty="0"/>
-              <a:t>Einführung</a:t>
+              <a:t>Grundlagen FMCW Radar</a:t>
             </a:r>
           </a:p>
         </p:txBody>
@@ -3260,6 +3297,10 @@
             <a:endParaRPr lang="de-DE" dirty="0"/>
           </a:p>
           <a:p>
+            <a:pPr lvl="1">
+              <a:buFont typeface="Wingdings" panose="05000000000000000000" pitchFamily="2" charset="2"/>
+              <a:buChar char="§"/>
+            </a:pPr>
             <a:r>
               <a:rPr lang="de-DE" dirty="0"/>
               <a:t>Bessere Abstandauflösung</a:t>
@@ -3269,6 +3310,10 @@
             <a:endParaRPr lang="de-DE" dirty="0"/>
           </a:p>
           <a:p>
+            <a:pPr lvl="1">
+              <a:buFont typeface="Wingdings" panose="05000000000000000000" pitchFamily="2" charset="2"/>
+              <a:buChar char="§"/>
+            </a:pPr>
             <a:r>
               <a:rPr lang="de-DE" dirty="0"/>
               <a:t>Abstand und Geschwindigkeit gleichzeitig messen</a:t>
@@ -3278,6 +3323,10 @@
             <a:endParaRPr lang="de-DE" dirty="0"/>
           </a:p>
           <a:p>
+            <a:pPr lvl="1">
+              <a:buFont typeface="Wingdings" panose="05000000000000000000" pitchFamily="2" charset="2"/>
+              <a:buChar char="§"/>
+            </a:pPr>
             <a:r>
               <a:rPr lang="de-DE" dirty="0"/>
               <a:t>Signalverarbeitung im Basisband</a:t>
@@ -3411,7 +3460,7 @@
           <a:p>
             <a:r>
               <a:rPr lang="de-DE" dirty="0"/>
-              <a:t>Einführung</a:t>
+              <a:t>Grundlagen FMCW Radar</a:t>
             </a:r>
           </a:p>
         </p:txBody>
@@ -3758,7 +3807,7 @@
           <a:p>
             <a:r>
               <a:rPr lang="de-DE" dirty="0"/>
-              <a:t>Einführung</a:t>
+              <a:t>Grundlagen FMCW Radar</a:t>
             </a:r>
           </a:p>
         </p:txBody>
@@ -3905,7 +3954,7 @@
           <a:p>
             <a:r>
               <a:rPr lang="de-DE" dirty="0"/>
-              <a:t>Einführung</a:t>
+              <a:t>Grundlagen FMCW Radar</a:t>
             </a:r>
           </a:p>
         </p:txBody>
@@ -4210,7 +4259,7 @@
           <a:p>
             <a:r>
               <a:rPr lang="de-DE" dirty="0"/>
-              <a:t>Einführung</a:t>
+              <a:t>Grundlagen FMCW Radar</a:t>
             </a:r>
           </a:p>
         </p:txBody>
@@ -4245,18 +4294,18 @@
           </a:p>
           <a:p>
             <a:r>
-              <a:rPr lang="de-DE" dirty="0" err="1"/>
-              <a:t>Eigenschaten</a:t>
-            </a:r>
-            <a:r>
-              <a:rPr lang="de-DE" dirty="0"/>
-              <a:t>: </a:t>
+              <a:rPr lang="de-DE" dirty="0"/>
+              <a:t>Eigenschaften: </a:t>
             </a:r>
           </a:p>
           <a:p>
             <a:endParaRPr lang="de-DE" dirty="0"/>
           </a:p>
           <a:p>
+            <a:pPr lvl="1">
+              <a:buFont typeface="Wingdings" panose="05000000000000000000" pitchFamily="2" charset="2"/>
+              <a:buChar char="§"/>
+            </a:pPr>
             <a:r>
               <a:rPr lang="de-DE" dirty="0"/>
               <a:t>Bandbreite: 5.5 GHz</a:t>
@@ -4266,6 +4315,10 @@
             <a:endParaRPr lang="de-DE" dirty="0"/>
           </a:p>
           <a:p>
+            <a:pPr lvl="1">
+              <a:buFont typeface="Wingdings" panose="05000000000000000000" pitchFamily="2" charset="2"/>
+              <a:buChar char="§"/>
+            </a:pPr>
             <a:r>
               <a:rPr lang="de-DE" dirty="0"/>
               <a:t>Abstandauflösung: 3cm</a:t>
@@ -4275,6 +4328,10 @@
             <a:endParaRPr lang="de-DE" dirty="0"/>
           </a:p>
           <a:p>
+            <a:pPr lvl="1">
+              <a:buFont typeface="Wingdings" panose="05000000000000000000" pitchFamily="2" charset="2"/>
+              <a:buChar char="§"/>
+            </a:pPr>
             <a:r>
               <a:rPr lang="de-DE" dirty="0" err="1"/>
               <a:t>Abstandsgrenzung</a:t>
@@ -4288,6 +4345,10 @@
             <a:endParaRPr lang="de-DE" dirty="0"/>
           </a:p>
           <a:p>
+            <a:pPr lvl="1">
+              <a:buFont typeface="Wingdings" panose="05000000000000000000" pitchFamily="2" charset="2"/>
+              <a:buChar char="§"/>
+            </a:pPr>
             <a:r>
               <a:rPr lang="de-DE" dirty="0"/>
               <a:t>Der Niedrigster Leistungsverbrauch: &lt;5mW</a:t>
